--- a/material/intern2020_kayo.pptx
+++ b/material/intern2020_kayo.pptx
@@ -2557,6 +2557,22 @@
               <a:rPr kumimoji="1" lang="ja-JP" altLang="en-US"/>
               <a:t>インターンシップメニュー</a:t>
             </a:r>
+            <a:br>
+              <a:rPr kumimoji="1" lang="en-US" altLang="ja-JP" dirty="0"/>
+            </a:br>
+            <a:r>
+              <a:rPr kumimoji="1" lang="en-US" altLang="ja-JP" dirty="0"/>
+              <a:t>-</a:t>
+            </a:r>
+            <a:r>
+              <a:rPr kumimoji="1" lang="ja-JP" altLang="en-US"/>
+              <a:t>単語の相関関係解析</a:t>
+            </a:r>
+            <a:r>
+              <a:rPr kumimoji="1" lang="en-US" altLang="ja-JP" dirty="0"/>
+              <a:t>-</a:t>
+            </a:r>
+            <a:endParaRPr kumimoji="1" lang="ja-JP" altLang="en-US"/>
           </a:p>
         </p:txBody>
       </p:sp>
@@ -2872,7 +2888,30 @@
                 <a:latin typeface="MS PMincho" panose="02020600040205080304" pitchFamily="18" charset="-128"/>
                 <a:ea typeface="MS PMincho" panose="02020600040205080304" pitchFamily="18" charset="-128"/>
               </a:rPr>
-              <a:t>：嘉陽桃子</a:t>
+              <a:t>：</a:t>
+            </a:r>
+            <a:endParaRPr kumimoji="1" lang="en-US" altLang="ja-JP" dirty="0">
+              <a:latin typeface="MS PMincho" panose="02020600040205080304" pitchFamily="18" charset="-128"/>
+              <a:ea typeface="MS PMincho" panose="02020600040205080304" pitchFamily="18" charset="-128"/>
+            </a:endParaRPr>
+          </a:p>
+          <a:p>
+            <a:pPr marL="457200" lvl="1" indent="0">
+              <a:buNone/>
+            </a:pPr>
+            <a:r>
+              <a:rPr lang="en-US" altLang="ja-JP" dirty="0">
+                <a:latin typeface="MS PMincho" panose="02020600040205080304" pitchFamily="18" charset="-128"/>
+                <a:ea typeface="MS PMincho" panose="02020600040205080304" pitchFamily="18" charset="-128"/>
+              </a:rPr>
+              <a:t>	</a:t>
+            </a:r>
+            <a:r>
+              <a:rPr kumimoji="1" lang="ja-JP" altLang="en-US">
+                <a:latin typeface="MS PMincho" panose="02020600040205080304" pitchFamily="18" charset="-128"/>
+                <a:ea typeface="MS PMincho" panose="02020600040205080304" pitchFamily="18" charset="-128"/>
+              </a:rPr>
+              <a:t>嘉陽桃子</a:t>
             </a:r>
             <a:endParaRPr kumimoji="1" lang="en-US" altLang="ja-JP" dirty="0">
               <a:latin typeface="MS PMincho" panose="02020600040205080304" pitchFamily="18" charset="-128"/>
@@ -2892,7 +2931,23 @@
                 <a:latin typeface="MS PMincho" panose="02020600040205080304" pitchFamily="18" charset="-128"/>
                 <a:ea typeface="MS PMincho" panose="02020600040205080304" pitchFamily="18" charset="-128"/>
               </a:rPr>
-              <a:t>：琉球大学</a:t>
+              <a:t>：</a:t>
+            </a:r>
+            <a:endParaRPr kumimoji="1" lang="en-US" altLang="ja-JP" dirty="0">
+              <a:latin typeface="MS PMincho" panose="02020600040205080304" pitchFamily="18" charset="-128"/>
+              <a:ea typeface="MS PMincho" panose="02020600040205080304" pitchFamily="18" charset="-128"/>
+            </a:endParaRPr>
+          </a:p>
+          <a:p>
+            <a:pPr marL="914400" lvl="2" indent="0">
+              <a:buNone/>
+            </a:pPr>
+            <a:r>
+              <a:rPr kumimoji="1" lang="ja-JP" altLang="en-US">
+                <a:latin typeface="MS PMincho" panose="02020600040205080304" pitchFamily="18" charset="-128"/>
+                <a:ea typeface="MS PMincho" panose="02020600040205080304" pitchFamily="18" charset="-128"/>
+              </a:rPr>
+              <a:t>琉球大学</a:t>
             </a:r>
             <a:r>
               <a:rPr kumimoji="1" lang="en-US" altLang="ja-JP" dirty="0">
@@ -2906,6 +2961,34 @@
                 <a:latin typeface="MS PMincho" panose="02020600040205080304" pitchFamily="18" charset="-128"/>
                 <a:ea typeface="MS PMincho" panose="02020600040205080304" pitchFamily="18" charset="-128"/>
               </a:rPr>
+              <a:t>理工学研究科</a:t>
+            </a:r>
+            <a:r>
+              <a:rPr kumimoji="1" lang="en-US" altLang="ja-JP" dirty="0">
+                <a:latin typeface="MS PMincho" panose="02020600040205080304" pitchFamily="18" charset="-128"/>
+                <a:ea typeface="MS PMincho" panose="02020600040205080304" pitchFamily="18" charset="-128"/>
+              </a:rPr>
+              <a:t> </a:t>
+            </a:r>
+            <a:r>
+              <a:rPr kumimoji="1" lang="ja-JP" altLang="en-US">
+                <a:latin typeface="MS PMincho" panose="02020600040205080304" pitchFamily="18" charset="-128"/>
+                <a:ea typeface="MS PMincho" panose="02020600040205080304" pitchFamily="18" charset="-128"/>
+              </a:rPr>
+              <a:t>情報工学専攻</a:t>
+            </a:r>
+            <a:r>
+              <a:rPr kumimoji="1" lang="en-US" altLang="ja-JP" dirty="0">
+                <a:latin typeface="MS PMincho" panose="02020600040205080304" pitchFamily="18" charset="-128"/>
+                <a:ea typeface="MS PMincho" panose="02020600040205080304" pitchFamily="18" charset="-128"/>
+              </a:rPr>
+              <a:t> </a:t>
+            </a:r>
+            <a:r>
+              <a:rPr kumimoji="1" lang="ja-JP" altLang="en-US">
+                <a:latin typeface="MS PMincho" panose="02020600040205080304" pitchFamily="18" charset="-128"/>
+                <a:ea typeface="MS PMincho" panose="02020600040205080304" pitchFamily="18" charset="-128"/>
+              </a:rPr>
               <a:t>當間研究室</a:t>
             </a:r>
             <a:endParaRPr lang="en-US" altLang="ja-JP" dirty="0">
@@ -2926,7 +3009,7 @@
                 <a:latin typeface="MS PMincho" panose="02020600040205080304" pitchFamily="18" charset="-128"/>
                 <a:ea typeface="MS PMincho" panose="02020600040205080304" pitchFamily="18" charset="-128"/>
               </a:rPr>
-              <a:t>：コメントを記述すべき箇所の自動検出を目指してました（プログラムを最小単位の処理に分割してコメントの付きやすい処理構成の特定を目指してました）</a:t>
+              <a:t>：</a:t>
             </a:r>
             <a:endParaRPr lang="en-US" altLang="ja-JP" dirty="0">
               <a:latin typeface="MS PMincho" panose="02020600040205080304" pitchFamily="18" charset="-128"/>
@@ -2934,12 +3017,15 @@
             </a:endParaRPr>
           </a:p>
           <a:p>
+            <a:pPr marL="914400" lvl="2" indent="0">
+              <a:buNone/>
+            </a:pPr>
             <a:r>
               <a:rPr lang="ja-JP" altLang="en-US">
                 <a:latin typeface="MS PMincho" panose="02020600040205080304" pitchFamily="18" charset="-128"/>
                 <a:ea typeface="MS PMincho" panose="02020600040205080304" pitchFamily="18" charset="-128"/>
               </a:rPr>
-              <a:t>いま：</a:t>
+              <a:t>コメントを記述すべき箇所の自動検出を目指してました（プログラムを最小単位の処理に分割してコメントの付きやすい処理構成の特定を目指してました）</a:t>
             </a:r>
             <a:endParaRPr lang="en-US" altLang="ja-JP" dirty="0">
               <a:latin typeface="MS PMincho" panose="02020600040205080304" pitchFamily="18" charset="-128"/>
@@ -2948,11 +3034,89 @@
           </a:p>
           <a:p>
             <a:r>
+              <a:rPr lang="ja-JP" altLang="en-US" b="1">
+                <a:latin typeface="MS PMincho" panose="02020600040205080304" pitchFamily="18" charset="-128"/>
+                <a:ea typeface="MS PMincho" panose="02020600040205080304" pitchFamily="18" charset="-128"/>
+              </a:rPr>
+              <a:t>いま：</a:t>
+            </a:r>
+            <a:endParaRPr lang="en-US" altLang="ja-JP" b="1" dirty="0">
+              <a:latin typeface="MS PMincho" panose="02020600040205080304" pitchFamily="18" charset="-128"/>
+              <a:ea typeface="MS PMincho" panose="02020600040205080304" pitchFamily="18" charset="-128"/>
+            </a:endParaRPr>
+          </a:p>
+          <a:p>
+            <a:pPr lvl="1"/>
+            <a:r>
+              <a:rPr lang="en-US" altLang="ja-JP" dirty="0">
+                <a:latin typeface="MS PMincho" panose="02020600040205080304" pitchFamily="18" charset="-128"/>
+                <a:ea typeface="MS PMincho" panose="02020600040205080304" pitchFamily="18" charset="-128"/>
+              </a:rPr>
+              <a:t>R&amp;D</a:t>
+            </a:r>
+            <a:r>
               <a:rPr lang="ja-JP" altLang="en-US">
                 <a:latin typeface="MS PMincho" panose="02020600040205080304" pitchFamily="18" charset="-128"/>
                 <a:ea typeface="MS PMincho" panose="02020600040205080304" pitchFamily="18" charset="-128"/>
               </a:rPr>
-              <a:t>趣味</a:t>
+              <a:t>：香りワードと印象ワードの紐付け</a:t>
+            </a:r>
+            <a:endParaRPr lang="en-US" altLang="ja-JP" dirty="0">
+              <a:latin typeface="MS PMincho" panose="02020600040205080304" pitchFamily="18" charset="-128"/>
+              <a:ea typeface="MS PMincho" panose="02020600040205080304" pitchFamily="18" charset="-128"/>
+            </a:endParaRPr>
+          </a:p>
+          <a:p>
+            <a:pPr lvl="1"/>
+            <a:r>
+              <a:rPr lang="ja-JP" altLang="en-US">
+                <a:latin typeface="MS PMincho" panose="02020600040205080304" pitchFamily="18" charset="-128"/>
+                <a:ea typeface="MS PMincho" panose="02020600040205080304" pitchFamily="18" charset="-128"/>
+              </a:rPr>
+              <a:t>案件の一連の処理の自動化、データづくり</a:t>
+            </a:r>
+            <a:r>
+              <a:rPr lang="en-US" altLang="ja-JP" dirty="0">
+                <a:latin typeface="MS PMincho" panose="02020600040205080304" pitchFamily="18" charset="-128"/>
+                <a:ea typeface="MS PMincho" panose="02020600040205080304" pitchFamily="18" charset="-128"/>
+              </a:rPr>
+              <a:t> </a:t>
+            </a:r>
+            <a:r>
+              <a:rPr lang="ja-JP" altLang="en-US">
+                <a:latin typeface="MS PMincho" panose="02020600040205080304" pitchFamily="18" charset="-128"/>
+                <a:ea typeface="MS PMincho" panose="02020600040205080304" pitchFamily="18" charset="-128"/>
+              </a:rPr>
+              <a:t>など</a:t>
+            </a:r>
+            <a:endParaRPr lang="en-US" altLang="ja-JP" dirty="0">
+              <a:latin typeface="MS PMincho" panose="02020600040205080304" pitchFamily="18" charset="-128"/>
+              <a:ea typeface="MS PMincho" panose="02020600040205080304" pitchFamily="18" charset="-128"/>
+            </a:endParaRPr>
+          </a:p>
+          <a:p>
+            <a:r>
+              <a:rPr lang="ja-JP" altLang="en-US" b="1">
+                <a:latin typeface="MS PMincho" panose="02020600040205080304" pitchFamily="18" charset="-128"/>
+                <a:ea typeface="MS PMincho" panose="02020600040205080304" pitchFamily="18" charset="-128"/>
+              </a:rPr>
+              <a:t>趣味：</a:t>
+            </a:r>
+            <a:endParaRPr lang="en-US" altLang="ja-JP" b="1" dirty="0">
+              <a:latin typeface="MS PMincho" panose="02020600040205080304" pitchFamily="18" charset="-128"/>
+              <a:ea typeface="MS PMincho" panose="02020600040205080304" pitchFamily="18" charset="-128"/>
+            </a:endParaRPr>
+          </a:p>
+          <a:p>
+            <a:pPr marL="914400" lvl="2" indent="0">
+              <a:buNone/>
+            </a:pPr>
+            <a:r>
+              <a:rPr lang="ja-JP" altLang="en-US">
+                <a:latin typeface="MS PMincho" panose="02020600040205080304" pitchFamily="18" charset="-128"/>
+                <a:ea typeface="MS PMincho" panose="02020600040205080304" pitchFamily="18" charset="-128"/>
+              </a:rPr>
+              <a:t>散歩、ゲーム（どうぶつの森）、買い物、映画</a:t>
             </a:r>
             <a:endParaRPr lang="en-US" altLang="ja-JP" dirty="0">
               <a:latin typeface="MS PMincho" panose="02020600040205080304" pitchFamily="18" charset="-128"/>
@@ -3148,7 +3312,7 @@
                 <a:latin typeface="MS PMincho" panose="02020600040205080304" pitchFamily="18" charset="-128"/>
                 <a:ea typeface="MS PMincho" panose="02020600040205080304" pitchFamily="18" charset="-128"/>
               </a:rPr>
-              <a:t>香水の紹介文を使い、以下のようなグラフの完成を目指します。</a:t>
+              <a:t>香水に関する文章を使い、以下のようなグラフの完成を目指します。</a:t>
             </a:r>
             <a:endParaRPr kumimoji="1" lang="en-US" altLang="ja-JP" dirty="0">
               <a:latin typeface="MS PMincho" panose="02020600040205080304" pitchFamily="18" charset="-128"/>
@@ -3216,18 +3380,11 @@
               <a:t>=</a:t>
             </a:r>
             <a:r>
-              <a:rPr lang="ja-JP" altLang="en-US">
-                <a:latin typeface="MS PMincho" panose="02020600040205080304" pitchFamily="18" charset="-128"/>
-                <a:ea typeface="MS PMincho" panose="02020600040205080304" pitchFamily="18" charset="-128"/>
-              </a:rPr>
-              <a:t>女の子</a:t>
-            </a:r>
-            <a:r>
               <a:rPr kumimoji="1" lang="ja-JP" altLang="en-US">
                 <a:latin typeface="MS PMincho" panose="02020600040205080304" pitchFamily="18" charset="-128"/>
                 <a:ea typeface="MS PMincho" panose="02020600040205080304" pitchFamily="18" charset="-128"/>
               </a:rPr>
-              <a:t>系ワードの集まり、</a:t>
+              <a:t>女性向けっぽいワードの集まり、</a:t>
             </a:r>
             <a:r>
               <a:rPr kumimoji="1" lang="ja-JP" altLang="en-US" b="1">
@@ -3260,7 +3417,7 @@
                 <a:latin typeface="MS PMincho" panose="02020600040205080304" pitchFamily="18" charset="-128"/>
                 <a:ea typeface="MS PMincho" panose="02020600040205080304" pitchFamily="18" charset="-128"/>
               </a:rPr>
-              <a:t>系ワードの集まり</a:t>
+              <a:t>系なワードの集まり</a:t>
             </a:r>
             <a:endParaRPr kumimoji="1" lang="en-US" altLang="ja-JP" dirty="0">
               <a:latin typeface="MS PMincho" panose="02020600040205080304" pitchFamily="18" charset="-128"/>
